--- a/Docs/Basic Unit Testing.pptx
+++ b/Docs/Basic Unit Testing.pptx
@@ -17,12 +17,13 @@
     <p:sldId id="261" r:id="rId11"/>
     <p:sldId id="269" r:id="rId12"/>
     <p:sldId id="268" r:id="rId13"/>
-    <p:sldId id="274" r:id="rId14"/>
-    <p:sldId id="260" r:id="rId15"/>
-    <p:sldId id="270" r:id="rId16"/>
-    <p:sldId id="271" r:id="rId17"/>
-    <p:sldId id="273" r:id="rId18"/>
-    <p:sldId id="272" r:id="rId19"/>
+    <p:sldId id="275" r:id="rId14"/>
+    <p:sldId id="274" r:id="rId15"/>
+    <p:sldId id="260" r:id="rId16"/>
+    <p:sldId id="270" r:id="rId17"/>
+    <p:sldId id="271" r:id="rId18"/>
+    <p:sldId id="273" r:id="rId19"/>
+    <p:sldId id="272" r:id="rId20"/>
   </p:sldIdLst>
   <p:sldSz cx="9144000" cy="6858000" type="screen4x3"/>
   <p:notesSz cx="6858000" cy="9144000"/>
@@ -4642,12 +4643,23 @@
         </p:nvSpPr>
         <p:spPr/>
         <p:txBody>
-          <a:bodyPr/>
+          <a:bodyPr>
+            <a:normAutofit fontScale="92500" lnSpcReduction="20000"/>
+          </a:bodyPr>
           <a:lstStyle/>
           <a:p>
             <a:r>
               <a:rPr lang="en-US" dirty="0" smtClean="0"/>
               <a:t>April 28 &amp; 29, 2016</a:t>
+            </a:r>
+          </a:p>
+          <a:p>
+            <a:endParaRPr lang="en-US" dirty="0"/>
+          </a:p>
+          <a:p>
+            <a:r>
+              <a:rPr lang="en-US" dirty="0" smtClean="0"/>
+              <a:t>Presenter: Rod DeWit</a:t>
             </a:r>
             <a:endParaRPr lang="en-US" dirty="0"/>
           </a:p>
@@ -5539,44 +5551,16 @@
           <a:p>
             <a:r>
               <a:rPr lang="en-US" dirty="0" smtClean="0"/>
-              <a:t>Fork the </a:t>
-            </a:r>
-            <a:r>
-              <a:rPr lang="en-US" dirty="0"/>
-              <a:t>code from </a:t>
-            </a:r>
-            <a:r>
-              <a:rPr lang="en-US" dirty="0">
-                <a:hlinkClick r:id="rId2"/>
-              </a:rPr>
-              <a:t>https://</a:t>
-            </a:r>
-            <a:r>
-              <a:rPr lang="en-US" dirty="0" smtClean="0">
-                <a:hlinkClick r:id="rId2"/>
-              </a:rPr>
-              <a:t>github.com/roddewit/unit-test-training</a:t>
-            </a:r>
-            <a:endParaRPr lang="en-US" dirty="0" smtClean="0"/>
-          </a:p>
-          <a:p>
-            <a:r>
-              <a:rPr lang="en-US" dirty="0" smtClean="0"/>
-              <a:t>When finished, create a Pull Request as in previous exercises</a:t>
-            </a:r>
-          </a:p>
-          <a:p>
-            <a:r>
-              <a:rPr lang="en-US" dirty="0" smtClean="0"/>
-              <a:t>Note that the exercises use the </a:t>
-            </a:r>
-            <a:r>
-              <a:rPr lang="en-US" dirty="0" err="1" smtClean="0"/>
-              <a:t>NUnit</a:t>
-            </a:r>
-            <a:r>
-              <a:rPr lang="en-US" dirty="0" smtClean="0"/>
-              <a:t> test framework.</a:t>
+              <a:t>Summary – write Unit Tests!</a:t>
+            </a:r>
+          </a:p>
+          <a:p>
+            <a:endParaRPr lang="en-US" dirty="0"/>
+          </a:p>
+          <a:p>
+            <a:r>
+              <a:rPr lang="en-US" dirty="0" smtClean="0"/>
+              <a:t>Any questions?</a:t>
             </a:r>
             <a:endParaRPr lang="en-US" dirty="0"/>
           </a:p>
@@ -5599,7 +5583,7 @@
           <a:p>
             <a:r>
               <a:rPr lang="en-US" dirty="0" smtClean="0"/>
-              <a:t>Exercises</a:t>
+              <a:t>Summary/Questions</a:t>
             </a:r>
             <a:endParaRPr lang="en-US" dirty="0"/>
           </a:p>
@@ -5608,7 +5592,7 @@
     </p:spTree>
     <p:extLst>
       <p:ext uri="{BB962C8B-B14F-4D97-AF65-F5344CB8AC3E}">
-        <p14:creationId xmlns:p14="http://schemas.microsoft.com/office/powerpoint/2010/main" val="2219110585"/>
+        <p14:creationId xmlns:p14="http://schemas.microsoft.com/office/powerpoint/2010/main" val="2660427831"/>
       </p:ext>
     </p:extLst>
   </p:cSld>
@@ -5654,103 +5638,72 @@
         </p:nvSpPr>
         <p:spPr/>
         <p:txBody>
-          <a:bodyPr>
-            <a:normAutofit lnSpcReduction="10000"/>
-          </a:bodyPr>
-          <a:lstStyle/>
-          <a:p>
-            <a:r>
-              <a:rPr lang="en-US" dirty="0" smtClean="0"/>
-              <a:t>Fill in the “Arrange” and “Act” sections of </a:t>
-            </a:r>
-            <a:r>
-              <a:rPr lang="en-US" dirty="0" err="1" smtClean="0"/>
-              <a:t>Test_PurchaseRemovesProductFromStore</a:t>
-            </a:r>
-            <a:endParaRPr lang="en-US" dirty="0" smtClean="0"/>
-          </a:p>
-          <a:p>
-            <a:pPr lvl="1"/>
-            <a:r>
-              <a:rPr lang="en-US" dirty="0" smtClean="0"/>
-              <a:t>This test is in </a:t>
-            </a:r>
-            <a:r>
-              <a:rPr lang="en-US" dirty="0" err="1" smtClean="0"/>
-              <a:t>StoreTests.cs</a:t>
-            </a:r>
-            <a:r>
-              <a:rPr lang="en-US" dirty="0" smtClean="0"/>
-              <a:t>, not </a:t>
-            </a:r>
-            <a:r>
-              <a:rPr lang="en-US" dirty="0" err="1" smtClean="0"/>
-              <a:t>IntegrationTests.cs</a:t>
-            </a:r>
-            <a:endParaRPr lang="en-US" dirty="0" smtClean="0"/>
-          </a:p>
-          <a:p>
-            <a:pPr lvl="1"/>
-            <a:r>
-              <a:rPr lang="en-US" dirty="0" smtClean="0"/>
-              <a:t>You can use the existing test for sample code</a:t>
-            </a:r>
-          </a:p>
-          <a:p>
-            <a:pPr lvl="1"/>
-            <a:r>
-              <a:rPr lang="en-US" dirty="0" smtClean="0"/>
-              <a:t>Under Arrange, set the store up to have 10 of a specific product</a:t>
-            </a:r>
-          </a:p>
-          <a:p>
-            <a:pPr lvl="1"/>
-            <a:r>
-              <a:rPr lang="en-US" dirty="0" smtClean="0"/>
-              <a:t>Under “Act” purchase 9 of the products</a:t>
-            </a:r>
-          </a:p>
-          <a:p>
-            <a:pPr lvl="1"/>
-            <a:r>
-              <a:rPr lang="en-US" dirty="0" smtClean="0"/>
-              <a:t>Uncomment the appropriate assertion statement</a:t>
-            </a:r>
-          </a:p>
-          <a:p>
-            <a:pPr lvl="2"/>
-            <a:r>
-              <a:rPr lang="en-US" dirty="0" smtClean="0"/>
-              <a:t>Observe the error message given by each statement</a:t>
-            </a:r>
-          </a:p>
-          <a:p>
-            <a:pPr lvl="1"/>
-            <a:r>
-              <a:rPr lang="en-US" dirty="0" smtClean="0"/>
-              <a:t>Fix the code to work properly (and note that none of the integration tests would have caught the obvious defect)</a:t>
-            </a:r>
-          </a:p>
-        </p:txBody>
-      </p:sp>
-      <p:sp>
-        <p:nvSpPr>
-          <p:cNvPr id="3" name="Title 2"/>
-          <p:cNvSpPr>
-            <a:spLocks noGrp="1"/>
-          </p:cNvSpPr>
-          <p:nvPr>
-            <p:ph type="title"/>
-          </p:nvPr>
-        </p:nvSpPr>
-        <p:spPr/>
-        <p:txBody>
           <a:bodyPr/>
           <a:lstStyle/>
           <a:p>
             <a:r>
               <a:rPr lang="en-US" dirty="0" smtClean="0"/>
-              <a:t>Exercise #1</a:t>
+              <a:t>Fork the </a:t>
+            </a:r>
+            <a:r>
+              <a:rPr lang="en-US" dirty="0"/>
+              <a:t>code from </a:t>
+            </a:r>
+            <a:r>
+              <a:rPr lang="en-US" dirty="0">
+                <a:hlinkClick r:id="rId2"/>
+              </a:rPr>
+              <a:t>https://</a:t>
+            </a:r>
+            <a:r>
+              <a:rPr lang="en-US" dirty="0" smtClean="0">
+                <a:hlinkClick r:id="rId2"/>
+              </a:rPr>
+              <a:t>github.com/roddewit/unit-test-training</a:t>
+            </a:r>
+            <a:endParaRPr lang="en-US" dirty="0" smtClean="0"/>
+          </a:p>
+          <a:p>
+            <a:r>
+              <a:rPr lang="en-US" dirty="0" smtClean="0"/>
+              <a:t>When finished, create a Pull Request as in previous exercises</a:t>
+            </a:r>
+          </a:p>
+          <a:p>
+            <a:r>
+              <a:rPr lang="en-US" dirty="0" smtClean="0"/>
+              <a:t>Note that the exercises use the </a:t>
+            </a:r>
+            <a:r>
+              <a:rPr lang="en-US" dirty="0" err="1" smtClean="0"/>
+              <a:t>NUnit</a:t>
+            </a:r>
+            <a:r>
+              <a:rPr lang="en-US" dirty="0" smtClean="0"/>
+              <a:t> test framework.</a:t>
+            </a:r>
+            <a:endParaRPr lang="en-US" dirty="0"/>
+          </a:p>
+        </p:txBody>
+      </p:sp>
+      <p:sp>
+        <p:nvSpPr>
+          <p:cNvPr id="3" name="Title 2"/>
+          <p:cNvSpPr>
+            <a:spLocks noGrp="1"/>
+          </p:cNvSpPr>
+          <p:nvPr>
+            <p:ph type="title"/>
+          </p:nvPr>
+        </p:nvSpPr>
+        <p:spPr/>
+        <p:txBody>
+          <a:bodyPr/>
+          <a:lstStyle/>
+          <a:p>
+            <a:r>
+              <a:rPr lang="en-US" dirty="0" smtClean="0"/>
+              <a:t>Exercises</a:t>
             </a:r>
             <a:endParaRPr lang="en-US" dirty="0"/>
           </a:p>
@@ -5759,7 +5712,7 @@
     </p:spTree>
     <p:extLst>
       <p:ext uri="{BB962C8B-B14F-4D97-AF65-F5344CB8AC3E}">
-        <p14:creationId xmlns:p14="http://schemas.microsoft.com/office/powerpoint/2010/main" val="3441518652"/>
+        <p14:creationId xmlns:p14="http://schemas.microsoft.com/office/powerpoint/2010/main" val="2219110585"/>
       </p:ext>
     </p:extLst>
   </p:cSld>
@@ -5805,6 +5758,157 @@
         </p:nvSpPr>
         <p:spPr/>
         <p:txBody>
+          <a:bodyPr>
+            <a:normAutofit lnSpcReduction="10000"/>
+          </a:bodyPr>
+          <a:lstStyle/>
+          <a:p>
+            <a:r>
+              <a:rPr lang="en-US" dirty="0" smtClean="0"/>
+              <a:t>Fill in the “Arrange” and “Act” sections of </a:t>
+            </a:r>
+            <a:r>
+              <a:rPr lang="en-US" dirty="0" err="1" smtClean="0"/>
+              <a:t>Test_PurchaseRemovesProductFromStore</a:t>
+            </a:r>
+            <a:endParaRPr lang="en-US" dirty="0" smtClean="0"/>
+          </a:p>
+          <a:p>
+            <a:pPr lvl="1"/>
+            <a:r>
+              <a:rPr lang="en-US" dirty="0" smtClean="0"/>
+              <a:t>This test is in </a:t>
+            </a:r>
+            <a:r>
+              <a:rPr lang="en-US" dirty="0" err="1" smtClean="0"/>
+              <a:t>StoreTests.cs</a:t>
+            </a:r>
+            <a:r>
+              <a:rPr lang="en-US" dirty="0" smtClean="0"/>
+              <a:t>, not </a:t>
+            </a:r>
+            <a:r>
+              <a:rPr lang="en-US" dirty="0" err="1" smtClean="0"/>
+              <a:t>IntegrationTests.cs</a:t>
+            </a:r>
+            <a:endParaRPr lang="en-US" dirty="0" smtClean="0"/>
+          </a:p>
+          <a:p>
+            <a:pPr lvl="1"/>
+            <a:r>
+              <a:rPr lang="en-US" dirty="0" smtClean="0"/>
+              <a:t>You can use the existing test for sample code</a:t>
+            </a:r>
+          </a:p>
+          <a:p>
+            <a:pPr lvl="1"/>
+            <a:r>
+              <a:rPr lang="en-US" dirty="0" smtClean="0"/>
+              <a:t>Under Arrange, set the store up to have 10 of a specific product</a:t>
+            </a:r>
+          </a:p>
+          <a:p>
+            <a:pPr lvl="1"/>
+            <a:r>
+              <a:rPr lang="en-US" dirty="0" smtClean="0"/>
+              <a:t>Under “Act” purchase 9 of the products</a:t>
+            </a:r>
+          </a:p>
+          <a:p>
+            <a:pPr lvl="1"/>
+            <a:r>
+              <a:rPr lang="en-US" dirty="0" smtClean="0"/>
+              <a:t>Uncomment the appropriate assertion statement</a:t>
+            </a:r>
+          </a:p>
+          <a:p>
+            <a:pPr lvl="2"/>
+            <a:r>
+              <a:rPr lang="en-US" dirty="0" smtClean="0"/>
+              <a:t>Observe the error message given by each statement</a:t>
+            </a:r>
+          </a:p>
+          <a:p>
+            <a:pPr lvl="1"/>
+            <a:r>
+              <a:rPr lang="en-US" dirty="0" smtClean="0"/>
+              <a:t>Fix the code to work properly (and note that none of the integration tests would have caught the obvious defect)</a:t>
+            </a:r>
+          </a:p>
+        </p:txBody>
+      </p:sp>
+      <p:sp>
+        <p:nvSpPr>
+          <p:cNvPr id="3" name="Title 2"/>
+          <p:cNvSpPr>
+            <a:spLocks noGrp="1"/>
+          </p:cNvSpPr>
+          <p:nvPr>
+            <p:ph type="title"/>
+          </p:nvPr>
+        </p:nvSpPr>
+        <p:spPr/>
+        <p:txBody>
+          <a:bodyPr/>
+          <a:lstStyle/>
+          <a:p>
+            <a:r>
+              <a:rPr lang="en-US" dirty="0" smtClean="0"/>
+              <a:t>Exercise #1</a:t>
+            </a:r>
+            <a:endParaRPr lang="en-US" dirty="0"/>
+          </a:p>
+        </p:txBody>
+      </p:sp>
+    </p:spTree>
+    <p:extLst>
+      <p:ext uri="{BB962C8B-B14F-4D97-AF65-F5344CB8AC3E}">
+        <p14:creationId xmlns:p14="http://schemas.microsoft.com/office/powerpoint/2010/main" val="3441518652"/>
+      </p:ext>
+    </p:extLst>
+  </p:cSld>
+  <p:clrMapOvr>
+    <a:masterClrMapping/>
+  </p:clrMapOvr>
+  <p:timing>
+    <p:tnLst>
+      <p:par>
+        <p:cTn id="1" dur="indefinite" restart="never" nodeType="tmRoot"/>
+      </p:par>
+    </p:tnLst>
+  </p:timing>
+</p:sld>
+</file>
+
+<file path=ppt/slides/slide16.xml><?xml version="1.0" encoding="utf-8"?>
+<p:sld xmlns:a="http://schemas.openxmlformats.org/drawingml/2006/main" xmlns:r="http://schemas.openxmlformats.org/officeDocument/2006/relationships" xmlns:p="http://schemas.openxmlformats.org/presentationml/2006/main">
+  <p:cSld>
+    <p:spTree>
+      <p:nvGrpSpPr>
+        <p:cNvPr id="1" name=""/>
+        <p:cNvGrpSpPr/>
+        <p:nvPr/>
+      </p:nvGrpSpPr>
+      <p:grpSpPr>
+        <a:xfrm>
+          <a:off x="0" y="0"/>
+          <a:ext cx="0" cy="0"/>
+          <a:chOff x="0" y="0"/>
+          <a:chExt cx="0" cy="0"/>
+        </a:xfrm>
+      </p:grpSpPr>
+      <p:sp>
+        <p:nvSpPr>
+          <p:cNvPr id="2" name="Content Placeholder 1"/>
+          <p:cNvSpPr>
+            <a:spLocks noGrp="1"/>
+          </p:cNvSpPr>
+          <p:nvPr>
+            <p:ph idx="1"/>
+          </p:nvPr>
+        </p:nvSpPr>
+        <p:spPr/>
+        <p:txBody>
           <a:bodyPr/>
           <a:lstStyle/>
           <a:p>
@@ -5887,7 +5991,7 @@
 </p:sld>
 </file>
 
-<file path=ppt/slides/slide16.xml><?xml version="1.0" encoding="utf-8"?>
+<file path=ppt/slides/slide17.xml><?xml version="1.0" encoding="utf-8"?>
 <p:sld xmlns:a="http://schemas.openxmlformats.org/drawingml/2006/main" xmlns:r="http://schemas.openxmlformats.org/officeDocument/2006/relationships" xmlns:p="http://schemas.openxmlformats.org/presentationml/2006/main">
   <p:cSld>
     <p:spTree>
@@ -6071,7 +6175,7 @@
 </p:sld>
 </file>
 
-<file path=ppt/slides/slide17.xml><?xml version="1.0" encoding="utf-8"?>
+<file path=ppt/slides/slide18.xml><?xml version="1.0" encoding="utf-8"?>
 <p:sld xmlns:a="http://schemas.openxmlformats.org/drawingml/2006/main" xmlns:r="http://schemas.openxmlformats.org/officeDocument/2006/relationships" xmlns:p="http://schemas.openxmlformats.org/presentationml/2006/main">
   <p:cSld>
     <p:spTree>
@@ -6176,7 +6280,7 @@
 </p:sld>
 </file>
 
-<file path=ppt/slides/slide18.xml><?xml version="1.0" encoding="utf-8"?>
+<file path=ppt/slides/slide19.xml><?xml version="1.0" encoding="utf-8"?>
 <p:sld xmlns:a="http://schemas.openxmlformats.org/drawingml/2006/main" xmlns:r="http://schemas.openxmlformats.org/officeDocument/2006/relationships" xmlns:p="http://schemas.openxmlformats.org/presentationml/2006/main">
   <p:cSld>
     <p:spTree>
@@ -6353,7 +6457,7 @@
           <a:p>
             <a:r>
               <a:rPr lang="en-US" dirty="0" smtClean="0"/>
-              <a:t>Summary</a:t>
+              <a:t>Summary/Questions</a:t>
             </a:r>
           </a:p>
           <a:p>
@@ -6769,7 +6873,7 @@
             <a:pPr lvl="1"/>
             <a:r>
               <a:rPr lang="en-US" dirty="0" smtClean="0"/>
-              <a:t>Written without knowing the internals of the “unit”</a:t>
+              <a:t>Does not depend on knowledge of the internals of the “unit”</a:t>
             </a:r>
             <a:endParaRPr lang="en-US" dirty="0"/>
           </a:p>
@@ -7145,10 +7249,6 @@
             </a:r>
           </a:p>
           <a:p>
-            <a:pPr lvl="2"/>
-            <a:endParaRPr lang="en-US" dirty="0" smtClean="0"/>
-          </a:p>
-          <a:p>
             <a:pPr lvl="1"/>
             <a:endParaRPr lang="en-US" dirty="0"/>
           </a:p>
@@ -7228,6 +7328,12 @@
         <p:txBody>
           <a:bodyPr/>
           <a:lstStyle/>
+          <a:p>
+            <a:r>
+              <a:rPr lang="en-US" dirty="0" smtClean="0"/>
+              <a:t>Finds Problems Early</a:t>
+            </a:r>
+          </a:p>
           <a:p>
             <a:r>
               <a:rPr lang="en-US" dirty="0" smtClean="0"/>
@@ -7397,14 +7503,14 @@
             <p:ph idx="1"/>
             <p:extLst>
               <p:ext uri="{D42A27DB-BD31-4B8C-83A1-F6EECF244321}">
-                <p14:modId xmlns:p14="http://schemas.microsoft.com/office/powerpoint/2010/main" val="985059271"/>
+                <p14:modId xmlns:p14="http://schemas.microsoft.com/office/powerpoint/2010/main" val="1153670276"/>
               </p:ext>
             </p:extLst>
           </p:nvPr>
         </p:nvGraphicFramePr>
         <p:xfrm>
-          <a:off x="457200" y="1295400"/>
-          <a:ext cx="8229600" cy="4754880"/>
+          <a:off x="457200" y="1143000"/>
+          <a:ext cx="8229600" cy="4968240"/>
         </p:xfrm>
         <a:graphic>
           <a:graphicData uri="http://schemas.openxmlformats.org/drawingml/2006/table">
@@ -7421,7 +7527,7 @@
                     <a:p>
                       <a:pPr algn="l" rtl="0" fontAlgn="t"/>
                       <a:r>
-                        <a:rPr lang="en-US" b="0" i="0" dirty="0">
+                        <a:rPr lang="en-US" sz="1600" b="0" i="0" dirty="0">
                           <a:solidFill>
                             <a:srgbClr val="000000"/>
                           </a:solidFill>
@@ -7431,7 +7537,7 @@
                         <a:t>[</a:t>
                       </a:r>
                       <a:r>
-                        <a:rPr lang="en-US" b="0" i="0" dirty="0" err="1">
+                        <a:rPr lang="en-US" sz="1600" b="0" i="0" dirty="0" err="1">
                           <a:solidFill>
                             <a:srgbClr val="000000"/>
                           </a:solidFill>
@@ -7441,7 +7547,7 @@
                         <a:t>TestFixture</a:t>
                       </a:r>
                       <a:r>
-                        <a:rPr lang="en-US" b="0" i="0" dirty="0" smtClean="0">
+                        <a:rPr lang="en-US" sz="1600" b="0" i="0" dirty="0" smtClean="0">
                           <a:solidFill>
                             <a:srgbClr val="000000"/>
                           </a:solidFill>
@@ -7454,7 +7560,7 @@
                     <a:p>
                       <a:pPr algn="l" rtl="0" fontAlgn="t"/>
                       <a:r>
-                        <a:rPr lang="en-US" b="0" i="0" dirty="0" smtClean="0">
+                        <a:rPr lang="en-US" sz="1600" b="0" i="0" dirty="0" smtClean="0">
                           <a:solidFill>
                             <a:srgbClr val="000000"/>
                           </a:solidFill>
@@ -7464,7 +7570,7 @@
                         <a:t>public class </a:t>
                       </a:r>
                       <a:r>
-                        <a:rPr lang="en-US" b="0" i="0" dirty="0" err="1" smtClean="0">
+                        <a:rPr lang="en-US" sz="1600" b="0" i="0" dirty="0" err="1" smtClean="0">
                           <a:solidFill>
                             <a:srgbClr val="000000"/>
                           </a:solidFill>
@@ -7473,7 +7579,7 @@
                         </a:rPr>
                         <a:t>MyClassTest</a:t>
                       </a:r>
-                      <a:endParaRPr lang="en-US" b="0" i="0" dirty="0" smtClean="0">
+                      <a:endParaRPr lang="en-US" sz="1600" b="0" i="0" dirty="0" smtClean="0">
                         <a:solidFill>
                           <a:srgbClr val="000000"/>
                         </a:solidFill>
@@ -7484,7 +7590,7 @@
                     <a:p>
                       <a:pPr algn="l" rtl="0" fontAlgn="t"/>
                       <a:r>
-                        <a:rPr lang="en-US" b="0" i="0" dirty="0" smtClean="0">
+                        <a:rPr lang="en-US" sz="1600" b="0" i="0" dirty="0" smtClean="0">
                           <a:solidFill>
                             <a:srgbClr val="000000"/>
                           </a:solidFill>
@@ -7497,7 +7603,7 @@
                     <a:p>
                       <a:pPr algn="l" rtl="0" fontAlgn="t"/>
                       <a:r>
-                        <a:rPr lang="en-US" b="0" i="0" dirty="0" smtClean="0">
+                        <a:rPr lang="en-US" sz="1600" b="0" i="0" dirty="0" smtClean="0">
                           <a:solidFill>
                             <a:srgbClr val="000000"/>
                           </a:solidFill>
@@ -7507,7 +7613,7 @@
                         <a:t>    [</a:t>
                       </a:r>
                       <a:r>
-                        <a:rPr lang="en-US" b="0" i="0" dirty="0" err="1" smtClean="0">
+                        <a:rPr lang="en-US" sz="1600" b="0" i="0" dirty="0" err="1" smtClean="0">
                           <a:solidFill>
                             <a:srgbClr val="000000"/>
                           </a:solidFill>
@@ -7517,7 +7623,7 @@
                         <a:t>SetUp</a:t>
                       </a:r>
                       <a:r>
-                        <a:rPr lang="en-US" b="0" i="0" dirty="0" smtClean="0">
+                        <a:rPr lang="en-US" sz="1600" b="0" i="0" dirty="0" smtClean="0">
                           <a:solidFill>
                             <a:srgbClr val="000000"/>
                           </a:solidFill>
@@ -7530,7 +7636,7 @@
                     <a:p>
                       <a:pPr algn="l" rtl="0" fontAlgn="t"/>
                       <a:r>
-                        <a:rPr lang="en-US" b="0" i="0" dirty="0" smtClean="0">
+                        <a:rPr lang="en-US" sz="1600" b="0" i="0" dirty="0" smtClean="0">
                           <a:solidFill>
                             <a:srgbClr val="000000"/>
                           </a:solidFill>
@@ -7540,7 +7646,7 @@
                         <a:t>    public void </a:t>
                       </a:r>
                       <a:r>
-                        <a:rPr lang="en-US" b="0" i="0" dirty="0" err="1" smtClean="0">
+                        <a:rPr lang="en-US" sz="1600" b="0" i="0" dirty="0" err="1" smtClean="0">
                           <a:solidFill>
                             <a:srgbClr val="000000"/>
                           </a:solidFill>
@@ -7550,7 +7656,7 @@
                         <a:t>OptionalCommonSetupCode</a:t>
                       </a:r>
                       <a:r>
-                        <a:rPr lang="en-US" b="0" i="0" dirty="0" smtClean="0">
+                        <a:rPr lang="en-US" sz="1600" b="0" i="0" dirty="0" smtClean="0">
                           <a:solidFill>
                             <a:srgbClr val="000000"/>
                           </a:solidFill>
@@ -7562,7 +7668,7 @@
                     </a:p>
                     <a:p>
                       <a:pPr algn="l" rtl="0" fontAlgn="t"/>
-                      <a:endParaRPr lang="en-US" b="0" i="0" dirty="0" smtClean="0">
+                      <a:endParaRPr lang="en-US" sz="1600" b="0" i="0" dirty="0" smtClean="0">
                         <a:solidFill>
                           <a:srgbClr val="000000"/>
                         </a:solidFill>
@@ -7573,7 +7679,7 @@
                     <a:p>
                       <a:pPr algn="l" rtl="0" fontAlgn="t"/>
                       <a:r>
-                        <a:rPr lang="en-US" b="0" i="0" dirty="0" smtClean="0">
+                        <a:rPr lang="en-US" sz="1600" b="0" i="0" dirty="0" smtClean="0">
                           <a:solidFill>
                             <a:srgbClr val="000000"/>
                           </a:solidFill>
@@ -7586,7 +7692,7 @@
                     <a:p>
                       <a:pPr algn="l" rtl="0" fontAlgn="t"/>
                       <a:r>
-                        <a:rPr lang="en-US" b="0" i="0" dirty="0" smtClean="0">
+                        <a:rPr lang="en-US" sz="1600" b="0" i="0" dirty="0" smtClean="0">
                           <a:solidFill>
                             <a:srgbClr val="000000"/>
                           </a:solidFill>
@@ -7596,7 +7702,7 @@
                         <a:t>    public void </a:t>
                       </a:r>
                       <a:r>
-                        <a:rPr lang="en-US" b="0" i="0" dirty="0" err="1" smtClean="0">
+                        <a:rPr lang="en-US" sz="1600" b="0" i="0" dirty="0" err="1" smtClean="0">
                           <a:solidFill>
                             <a:srgbClr val="000000"/>
                           </a:solidFill>
@@ -7606,7 +7712,7 @@
                         <a:t>TestMethodDoesSomething</a:t>
                       </a:r>
                       <a:r>
-                        <a:rPr lang="en-US" b="0" i="0" dirty="0" smtClean="0">
+                        <a:rPr lang="en-US" sz="1600" b="0" i="0" dirty="0" smtClean="0">
                           <a:solidFill>
                             <a:srgbClr val="000000"/>
                           </a:solidFill>
@@ -7619,7 +7725,7 @@
                     <a:p>
                       <a:pPr algn="l" rtl="0" fontAlgn="t"/>
                       <a:r>
-                        <a:rPr lang="en-US" b="0" i="0" dirty="0" smtClean="0">
+                        <a:rPr lang="en-US" sz="1600" b="0" i="0" dirty="0" smtClean="0">
                           <a:solidFill>
                             <a:srgbClr val="000000"/>
                           </a:solidFill>
@@ -7632,7 +7738,7 @@
                     <a:p>
                       <a:pPr algn="l" rtl="0" fontAlgn="t"/>
                       <a:r>
-                        <a:rPr lang="en-US" b="0" i="0" dirty="0" smtClean="0">
+                        <a:rPr lang="en-US" sz="1600" b="0" i="0" dirty="0" smtClean="0">
                           <a:solidFill>
                             <a:srgbClr val="000000"/>
                           </a:solidFill>
@@ -7642,7 +7748,7 @@
                         <a:t>        //</a:t>
                       </a:r>
                       <a:r>
-                        <a:rPr lang="en-US" b="0" i="0" dirty="0" smtClean="0">
+                        <a:rPr lang="en-US" sz="1600" b="0" i="0" dirty="0" smtClean="0">
                           <a:solidFill>
                             <a:srgbClr val="000000"/>
                           </a:solidFill>
@@ -7652,7 +7758,7 @@
                         <a:t>Arrange/Given – create class, pass </a:t>
                       </a:r>
                       <a:r>
-                        <a:rPr lang="en-US" b="0" i="0" baseline="0" dirty="0" smtClean="0">
+                        <a:rPr lang="en-US" sz="1600" b="0" i="0" baseline="0" dirty="0" smtClean="0">
                           <a:solidFill>
                             <a:srgbClr val="000000"/>
                           </a:solidFill>
@@ -7661,7 +7767,7 @@
                         </a:rPr>
                         <a:t>relevant data in</a:t>
                       </a:r>
-                      <a:endParaRPr lang="en-US" b="0" i="0" dirty="0" smtClean="0">
+                      <a:endParaRPr lang="en-US" sz="1600" b="0" i="0" dirty="0" smtClean="0">
                         <a:solidFill>
                           <a:srgbClr val="000000"/>
                         </a:solidFill>
@@ -7672,7 +7778,7 @@
                     <a:p>
                       <a:pPr algn="l" rtl="0" fontAlgn="t"/>
                       <a:r>
-                        <a:rPr lang="en-US" b="0" i="0" dirty="0" smtClean="0">
+                        <a:rPr lang="en-US" sz="1600" b="0" i="0" dirty="0" smtClean="0">
                           <a:solidFill>
                             <a:srgbClr val="000000"/>
                           </a:solidFill>
@@ -7685,7 +7791,7 @@
                     <a:p>
                       <a:pPr algn="l" rtl="0" fontAlgn="t"/>
                       <a:r>
-                        <a:rPr lang="en-US" b="0" i="0" dirty="0" smtClean="0">
+                        <a:rPr lang="en-US" sz="1600" b="0" i="0" dirty="0" smtClean="0">
                           <a:solidFill>
                             <a:srgbClr val="000000"/>
                           </a:solidFill>
@@ -7695,7 +7801,7 @@
                         <a:t>        //Assert/Then – check the</a:t>
                       </a:r>
                       <a:r>
-                        <a:rPr lang="en-US" b="0" i="0" baseline="0" dirty="0" smtClean="0">
+                        <a:rPr lang="en-US" sz="1600" b="0" i="0" baseline="0" dirty="0" smtClean="0">
                           <a:solidFill>
                             <a:srgbClr val="000000"/>
                           </a:solidFill>
@@ -7704,7 +7810,7 @@
                         </a:rPr>
                         <a:t> results</a:t>
                       </a:r>
-                      <a:endParaRPr lang="en-US" b="0" i="0" dirty="0" smtClean="0">
+                      <a:endParaRPr lang="en-US" sz="1600" b="0" i="0" dirty="0" smtClean="0">
                         <a:solidFill>
                           <a:srgbClr val="000000"/>
                         </a:solidFill>
@@ -7715,7 +7821,7 @@
                     <a:p>
                       <a:pPr algn="l" rtl="0" fontAlgn="t"/>
                       <a:r>
-                        <a:rPr lang="en-US" b="0" i="0" dirty="0" smtClean="0">
+                        <a:rPr lang="en-US" sz="1600" b="0" i="0" dirty="0" smtClean="0">
                           <a:solidFill>
                             <a:srgbClr val="000000"/>
                           </a:solidFill>
@@ -7727,7 +7833,7 @@
                     </a:p>
                     <a:p>
                       <a:pPr algn="l" rtl="0" fontAlgn="t"/>
-                      <a:endParaRPr lang="en-US" b="0" i="0" dirty="0" smtClean="0">
+                      <a:endParaRPr lang="en-US" sz="1600" b="0" i="0" dirty="0" smtClean="0">
                         <a:solidFill>
                           <a:srgbClr val="000000"/>
                         </a:solidFill>
@@ -7738,7 +7844,80 @@
                     <a:p>
                       <a:pPr algn="l" rtl="0" fontAlgn="t"/>
                       <a:r>
-                        <a:rPr lang="en-US" b="0" i="0" dirty="0" smtClean="0">
+                        <a:rPr lang="en-US" sz="1600" b="0" i="0" dirty="0" smtClean="0">
+                          <a:solidFill>
+                            <a:srgbClr val="000000"/>
+                          </a:solidFill>
+                          <a:effectLst/>
+                          <a:latin typeface="Consolas"/>
+                        </a:rPr>
+                        <a:t>    [Test]</a:t>
+                      </a:r>
+                    </a:p>
+                    <a:p>
+                      <a:pPr algn="l" rtl="0" fontAlgn="t"/>
+                      <a:r>
+                        <a:rPr lang="en-US" sz="1600" b="0" i="0" dirty="0" smtClean="0">
+                          <a:solidFill>
+                            <a:srgbClr val="000000"/>
+                          </a:solidFill>
+                          <a:effectLst/>
+                          <a:latin typeface="Consolas"/>
+                        </a:rPr>
+                        <a:t>    public void </a:t>
+                      </a:r>
+                      <a:r>
+                        <a:rPr lang="en-US" sz="1600" b="0" i="0" dirty="0" err="1" smtClean="0">
+                          <a:solidFill>
+                            <a:srgbClr val="000000"/>
+                          </a:solidFill>
+                          <a:effectLst/>
+                          <a:latin typeface="Consolas"/>
+                        </a:rPr>
+                        <a:t>TestMethodDoesSomethingElse</a:t>
+                      </a:r>
+                      <a:r>
+                        <a:rPr lang="en-US" sz="1600" b="0" i="0" dirty="0" smtClean="0">
+                          <a:solidFill>
+                            <a:srgbClr val="000000"/>
+                          </a:solidFill>
+                          <a:effectLst/>
+                          <a:latin typeface="Consolas"/>
+                        </a:rPr>
+                        <a:t>() {.</a:t>
+                      </a:r>
+                      <a:r>
+                        <a:rPr lang="en-US" sz="1600" b="0" i="0" baseline="0" dirty="0" smtClean="0">
+                          <a:solidFill>
+                            <a:srgbClr val="000000"/>
+                          </a:solidFill>
+                          <a:effectLst/>
+                          <a:latin typeface="Consolas"/>
+                        </a:rPr>
+                        <a:t> . .}</a:t>
+                      </a:r>
+                      <a:endParaRPr lang="en-US" sz="1600" b="0" i="0" dirty="0" smtClean="0">
+                        <a:solidFill>
+                          <a:srgbClr val="000000"/>
+                        </a:solidFill>
+                        <a:effectLst/>
+                        <a:latin typeface="Consolas"/>
+                      </a:endParaRPr>
+                    </a:p>
+                    <a:p>
+                      <a:pPr algn="l" rtl="0" fontAlgn="t"/>
+                      <a:endParaRPr lang="en-US" sz="1600" b="0" i="0" dirty="0" smtClean="0">
+                        <a:solidFill>
+                          <a:srgbClr val="000000"/>
+                        </a:solidFill>
+                        <a:effectLst/>
+                        <a:latin typeface="Consolas"/>
+                      </a:endParaRPr>
+                    </a:p>
+                    <a:p>
+                      <a:pPr algn="l" rtl="0" fontAlgn="t"/>
+                      <a:r>
+                        <a:rPr lang="en-US" sz="1600" b="0" i="0" dirty="0" smtClean="0">
                           <a:solidFill>
                             <a:srgbClr val="000000"/>
                           </a:solidFill>
@@ -7748,7 +7927,7 @@
                         <a:t>    [</a:t>
                       </a:r>
                       <a:r>
-                        <a:rPr lang="en-US" b="0" i="0" dirty="0" err="1" smtClean="0">
+                        <a:rPr lang="en-US" sz="1600" b="0" i="0" dirty="0" err="1" smtClean="0">
                           <a:solidFill>
                             <a:srgbClr val="000000"/>
                           </a:solidFill>
@@ -7758,7 +7937,7 @@
                         <a:t>TearDown</a:t>
                       </a:r>
                       <a:r>
-                        <a:rPr lang="en-US" b="0" i="0" dirty="0" smtClean="0">
+                        <a:rPr lang="en-US" sz="1600" b="0" i="0" dirty="0" smtClean="0">
                           <a:solidFill>
                             <a:srgbClr val="000000"/>
                           </a:solidFill>
@@ -7771,7 +7950,7 @@
                     <a:p>
                       <a:pPr algn="l" rtl="0" fontAlgn="t"/>
                       <a:r>
-                        <a:rPr lang="en-US" b="0" i="0" dirty="0" smtClean="0">
+                        <a:rPr lang="en-US" sz="1600" b="0" i="0" dirty="0" smtClean="0">
                           <a:solidFill>
                             <a:srgbClr val="000000"/>
                           </a:solidFill>
@@ -7781,7 +7960,7 @@
                         <a:t>    public void </a:t>
                       </a:r>
                       <a:r>
-                        <a:rPr lang="en-US" b="0" i="0" dirty="0" err="1" smtClean="0">
+                        <a:rPr lang="en-US" sz="1600" b="0" i="0" dirty="0" err="1" smtClean="0">
                           <a:solidFill>
                             <a:srgbClr val="000000"/>
                           </a:solidFill>
@@ -7791,7 +7970,7 @@
                         <a:t>OptionalCommonTearDownCode</a:t>
                       </a:r>
                       <a:r>
-                        <a:rPr lang="en-US" b="0" i="0" dirty="0" smtClean="0">
+                        <a:rPr lang="en-US" sz="1600" b="0" i="0" dirty="0" smtClean="0">
                           <a:solidFill>
                             <a:srgbClr val="000000"/>
                           </a:solidFill>
@@ -7804,7 +7983,7 @@
                     <a:p>
                       <a:pPr algn="l" rtl="0" fontAlgn="t"/>
                       <a:r>
-                        <a:rPr lang="en-US" b="0" i="0" dirty="0" smtClean="0">
+                        <a:rPr lang="en-US" sz="1600" b="0" i="0" dirty="0" smtClean="0">
                           <a:solidFill>
                             <a:srgbClr val="000000"/>
                           </a:solidFill>
@@ -7813,7 +7992,7 @@
                         </a:rPr>
                         <a:t>}</a:t>
                       </a:r>
-                      <a:endParaRPr lang="en-US" b="0" i="0" dirty="0" smtClean="0">
+                      <a:endParaRPr lang="en-US" sz="1600" b="0" i="0" dirty="0" smtClean="0">
                         <a:solidFill>
                           <a:srgbClr val="000000"/>
                         </a:solidFill>

--- a/Docs/Basic Unit Testing.pptx
+++ b/Docs/Basic Unit Testing.pptx
@@ -5680,7 +5680,11 @@
             </a:r>
             <a:r>
               <a:rPr lang="en-US" dirty="0" smtClean="0"/>
-              <a:t> test framework.</a:t>
+              <a:t> </a:t>
+            </a:r>
+            <a:r>
+              <a:rPr lang="en-US" smtClean="0"/>
+              <a:t>test framework</a:t>
             </a:r>
             <a:endParaRPr lang="en-US" dirty="0"/>
           </a:p>
